--- a/03-HTML5/06-本地存储/地理信息与本地存储.pptx
+++ b/03-HTML5/06-本地存储/地理信息与本地存储.pptx
@@ -145,6 +145,22 @@
       </a:defRPr>
     </a:lvl9pPr>
   </p:defaultTextStyle>
+  <p:extLst>
+    <p:ext uri="{EFAFB233-063F-42B5-8137-9DF3F51BA10A}">
+      <p15:sldGuideLst xmlns:p15="http://schemas.microsoft.com/office/powerpoint/2012/main">
+        <p15:guide id="1" orient="horz" pos="2160">
+          <p15:clr>
+            <a:srgbClr val="A4A3A4"/>
+          </p15:clr>
+        </p15:guide>
+        <p15:guide id="2" pos="2880">
+          <p15:clr>
+            <a:srgbClr val="A4A3A4"/>
+          </p15:clr>
+        </p15:guide>
+      </p15:sldGuideLst>
+    </p:ext>
+  </p:extLst>
 </p:presentation>
 </file>
 
@@ -339,7 +355,7 @@
               <a:pPr>
                 <a:defRPr/>
               </a:pPr>
-              <a:t>2013/7/10</a:t>
+              <a:t>2018/12/17</a:t>
             </a:fld>
             <a:endParaRPr lang="zh-CN" altLang="en-US"/>
           </a:p>
@@ -534,7 +550,7 @@
               <a:pPr>
                 <a:defRPr/>
               </a:pPr>
-              <a:t>2013/7/10</a:t>
+              <a:t>2018/12/17</a:t>
             </a:fld>
             <a:endParaRPr lang="zh-CN" altLang="en-US"/>
           </a:p>
@@ -739,7 +755,7 @@
               <a:pPr>
                 <a:defRPr/>
               </a:pPr>
-              <a:t>2013/7/10</a:t>
+              <a:t>2018/12/17</a:t>
             </a:fld>
             <a:endParaRPr lang="zh-CN" altLang="en-US"/>
           </a:p>
@@ -934,7 +950,7 @@
               <a:pPr>
                 <a:defRPr/>
               </a:pPr>
-              <a:t>2013/7/10</a:t>
+              <a:t>2018/12/17</a:t>
             </a:fld>
             <a:endParaRPr lang="zh-CN" altLang="en-US"/>
           </a:p>
@@ -1205,7 +1221,7 @@
               <a:pPr>
                 <a:defRPr/>
               </a:pPr>
-              <a:t>2013/7/10</a:t>
+              <a:t>2018/12/17</a:t>
             </a:fld>
             <a:endParaRPr lang="zh-CN" altLang="en-US"/>
           </a:p>
@@ -1518,7 +1534,7 @@
               <a:pPr>
                 <a:defRPr/>
               </a:pPr>
-              <a:t>2013/7/10</a:t>
+              <a:t>2018/12/17</a:t>
             </a:fld>
             <a:endParaRPr lang="zh-CN" altLang="en-US"/>
           </a:p>
@@ -1965,7 +1981,7 @@
               <a:pPr>
                 <a:defRPr/>
               </a:pPr>
-              <a:t>2013/7/10</a:t>
+              <a:t>2018/12/17</a:t>
             </a:fld>
             <a:endParaRPr lang="zh-CN" altLang="en-US"/>
           </a:p>
@@ -2108,7 +2124,7 @@
               <a:pPr>
                 <a:defRPr/>
               </a:pPr>
-              <a:t>2013/7/10</a:t>
+              <a:t>2018/12/17</a:t>
             </a:fld>
             <a:endParaRPr lang="zh-CN" altLang="en-US"/>
           </a:p>
@@ -2228,7 +2244,7 @@
               <a:pPr>
                 <a:defRPr/>
               </a:pPr>
-              <a:t>2013/7/10</a:t>
+              <a:t>2018/12/17</a:t>
             </a:fld>
             <a:endParaRPr lang="zh-CN" altLang="en-US"/>
           </a:p>
@@ -2530,7 +2546,7 @@
               <a:pPr>
                 <a:defRPr/>
               </a:pPr>
-              <a:t>2013/7/10</a:t>
+              <a:t>2018/12/17</a:t>
             </a:fld>
             <a:endParaRPr lang="zh-CN" altLang="en-US"/>
           </a:p>
@@ -2811,7 +2827,7 @@
               <a:pPr>
                 <a:defRPr/>
               </a:pPr>
-              <a:t>2013/7/10</a:t>
+              <a:t>2018/12/17</a:t>
             </a:fld>
             <a:endParaRPr lang="zh-CN" altLang="en-US"/>
           </a:p>
@@ -3077,7 +3093,7 @@
               <a:pPr>
                 <a:defRPr/>
               </a:pPr>
-              <a:t>2013/7/10</a:t>
+              <a:t>2018/12/17</a:t>
             </a:fld>
             <a:endParaRPr lang="zh-CN" altLang="en-US"/>
           </a:p>
